--- a/downloads/有限元素法在四足機器人設計上的運用_海報.pptx
+++ b/downloads/有限元素法在四足機器人設計上的運用_海報.pptx
@@ -2838,8 +2838,8 @@
         </p:nvSpPr>
         <p:spPr>
           <a:xfrm>
-            <a:off x="590128" y="3803649"/>
-            <a:ext cx="13024271" cy="2167355"/>
+            <a:off x="590129" y="3840830"/>
+            <a:ext cx="8680872" cy="2167355"/>
           </a:xfrm>
           <a:prstGeom prst="rect">
             <a:avLst/>
@@ -2873,7 +2873,7 @@
           <a:p>
             <a:pPr>
               <a:lnSpc>
-                <a:spcPct val="150000"/>
+                <a:spcPts val="3200"/>
               </a:lnSpc>
               <a:spcBef>
                 <a:spcPts val="500"/>
@@ -3434,7 +3434,7 @@
         </p:nvSpPr>
         <p:spPr>
           <a:xfrm>
-            <a:off x="555371" y="6342276"/>
+            <a:off x="441113" y="6345943"/>
             <a:ext cx="6436995" cy="492443"/>
           </a:xfrm>
           <a:prstGeom prst="rect">
@@ -3460,7 +3460,7 @@
                 <a:latin typeface="標楷體" panose="03000509000000000000" pitchFamily="65" charset="-120"/>
                 <a:ea typeface="標楷體" panose="03000509000000000000" pitchFamily="65" charset="-120"/>
               </a:rPr>
-              <a:t>實驗架構</a:t>
+              <a:t>專題架構</a:t>
             </a:r>
             <a:endParaRPr lang="zh-TW" altLang="en-US" sz="3200" dirty="0">
               <a:solidFill>
@@ -3824,7 +3824,7 @@
         <p:spPr>
           <a:xfrm>
             <a:off x="447463" y="296404"/>
-            <a:ext cx="15581841" cy="2636106"/>
+            <a:ext cx="18196137" cy="2636106"/>
           </a:xfrm>
           <a:prstGeom prst="rect">
             <a:avLst/>
@@ -4015,7 +4015,7 @@
                 <a:ea typeface="標楷體" panose="03000509000000000000" pitchFamily="65" charset="-120"/>
                 <a:cs typeface="標楷體"/>
               </a:rPr>
-              <a:t>嚴家銘</a:t>
+              <a:t>嚴家銘教授、李武鉦教授</a:t>
             </a:r>
             <a:r>
               <a:rPr lang="en-US" altLang="zh-TW" sz="2000" spc="15" dirty="0">
@@ -4601,7 +4601,7 @@
         </p:nvSpPr>
         <p:spPr>
           <a:xfrm>
-            <a:off x="11178495" y="6929186"/>
+            <a:off x="11159534" y="7138055"/>
             <a:ext cx="2683466" cy="1536984"/>
           </a:xfrm>
           <a:prstGeom prst="rect">
@@ -4760,14 +4760,14 @@
           </a:solidFill>
         </p:spPr>
         <p:style>
-          <a:lnRef idx="0">
-            <a:schemeClr val="dk1"/>
+          <a:lnRef idx="1">
+            <a:schemeClr val="accent1"/>
           </a:lnRef>
           <a:fillRef idx="3">
-            <a:schemeClr val="dk1"/>
+            <a:schemeClr val="accent1"/>
           </a:fillRef>
-          <a:effectRef idx="3">
-            <a:schemeClr val="dk1"/>
+          <a:effectRef idx="2">
+            <a:schemeClr val="accent1"/>
           </a:effectRef>
           <a:fontRef idx="minor">
             <a:schemeClr val="lt1"/>
@@ -5313,8 +5313,44 @@
         </p:blipFill>
         <p:spPr>
           <a:xfrm>
-            <a:off x="579103" y="12546727"/>
+            <a:off x="567866" y="12546727"/>
             <a:ext cx="3562440" cy="1878586"/>
+          </a:xfrm>
+          <a:prstGeom prst="rect">
+            <a:avLst/>
+          </a:prstGeom>
+        </p:spPr>
+      </p:pic>
+      <p:pic>
+        <p:nvPicPr>
+          <p:cNvPr id="18" name="圖片 17">
+            <a:extLst>
+              <a:ext uri="{FF2B5EF4-FFF2-40B4-BE49-F238E27FC236}">
+                <a16:creationId xmlns:a16="http://schemas.microsoft.com/office/drawing/2014/main" id="{A7C5874B-1EE1-4323-A302-E84F1E634DBA}"/>
+              </a:ext>
+            </a:extLst>
+          </p:cNvPr>
+          <p:cNvPicPr>
+            <a:picLocks noChangeAspect="1"/>
+          </p:cNvPicPr>
+          <p:nvPr/>
+        </p:nvPicPr>
+        <p:blipFill>
+          <a:blip r:embed="rId13">
+            <a:extLst>
+              <a:ext uri="{28A0092B-C50C-407E-A947-70E740481C1C}">
+                <a14:useLocalDpi xmlns:a14="http://schemas.microsoft.com/office/drawing/2010/main" val="0"/>
+              </a:ext>
+            </a:extLst>
+          </a:blip>
+          <a:stretch>
+            <a:fillRect/>
+          </a:stretch>
+        </p:blipFill>
+        <p:spPr>
+          <a:xfrm>
+            <a:off x="9434955" y="3762932"/>
+            <a:ext cx="3895264" cy="2476208"/>
           </a:xfrm>
           <a:prstGeom prst="rect">
             <a:avLst/>
